--- a/slides/5 - Child components.pptx
+++ b/slides/5 - Child components.pptx
@@ -122,6 +122,11 @@
       </a:defRPr>
     </a:lvl9pPr>
   </p:defaultTextStyle>
+  <p:extLst>
+    <p:ext uri="{EFAFB233-063F-42B5-8137-9DF3F51BA10A}">
+      <p15:sldGuideLst xmlns:p15="http://schemas.microsoft.com/office/powerpoint/2012/main"/>
+    </p:ext>
+  </p:extLst>
 </p:presentation>
 </file>
 
@@ -170,7 +175,6 @@
               <a:rPr lang="en-US"/>
               <a:t>Click to edit Master title style</a:t>
             </a:r>
-            <a:endParaRPr lang="en-US"/>
           </a:p>
         </p:txBody>
       </p:sp>
@@ -235,7 +239,6 @@
               <a:rPr lang="en-US"/>
               <a:t>Click to edit Master subtitle style</a:t>
             </a:r>
-            <a:endParaRPr lang="en-US"/>
           </a:p>
         </p:txBody>
       </p:sp>
@@ -353,7 +356,6 @@
               <a:rPr lang="en-US"/>
               <a:t>Click to edit Master title style</a:t>
             </a:r>
-            <a:endParaRPr lang="en-US"/>
           </a:p>
         </p:txBody>
       </p:sp>
@@ -405,7 +407,6 @@
               <a:rPr lang="en-US"/>
               <a:t>Fifth level</a:t>
             </a:r>
-            <a:endParaRPr lang="en-US"/>
           </a:p>
         </p:txBody>
       </p:sp>
@@ -528,7 +529,6 @@
               <a:rPr lang="en-US"/>
               <a:t>Click to edit Master title style</a:t>
             </a:r>
-            <a:endParaRPr lang="en-US"/>
           </a:p>
         </p:txBody>
       </p:sp>
@@ -585,7 +585,6 @@
               <a:rPr lang="en-US"/>
               <a:t>Fifth level</a:t>
             </a:r>
-            <a:endParaRPr lang="en-US"/>
           </a:p>
         </p:txBody>
       </p:sp>
@@ -703,7 +702,6 @@
               <a:rPr lang="en-US"/>
               <a:t>Click to edit Master title style</a:t>
             </a:r>
-            <a:endParaRPr lang="en-US"/>
           </a:p>
         </p:txBody>
       </p:sp>
@@ -755,7 +753,6 @@
               <a:rPr lang="en-US"/>
               <a:t>Fifth level</a:t>
             </a:r>
-            <a:endParaRPr lang="en-US"/>
           </a:p>
         </p:txBody>
       </p:sp>
@@ -882,7 +879,6 @@
               <a:rPr lang="en-US"/>
               <a:t>Click to edit Master title style</a:t>
             </a:r>
-            <a:endParaRPr lang="en-US"/>
           </a:p>
         </p:txBody>
       </p:sp>
@@ -1119,7 +1115,6 @@
               <a:rPr lang="en-US"/>
               <a:t>Click to edit Master title style</a:t>
             </a:r>
-            <a:endParaRPr lang="en-US"/>
           </a:p>
         </p:txBody>
       </p:sp>
@@ -1176,7 +1171,6 @@
               <a:rPr lang="en-US"/>
               <a:t>Fifth level</a:t>
             </a:r>
-            <a:endParaRPr lang="en-US"/>
           </a:p>
         </p:txBody>
       </p:sp>
@@ -1233,7 +1227,6 @@
               <a:rPr lang="en-US"/>
               <a:t>Fifth level</a:t>
             </a:r>
-            <a:endParaRPr lang="en-US"/>
           </a:p>
         </p:txBody>
       </p:sp>
@@ -1356,7 +1349,6 @@
               <a:rPr lang="en-US"/>
               <a:t>Click to edit Master title style</a:t>
             </a:r>
-            <a:endParaRPr lang="en-US"/>
           </a:p>
         </p:txBody>
       </p:sp>
@@ -1478,7 +1470,6 @@
               <a:rPr lang="en-US"/>
               <a:t>Fifth level</a:t>
             </a:r>
-            <a:endParaRPr lang="en-US"/>
           </a:p>
         </p:txBody>
       </p:sp>
@@ -1600,7 +1591,6 @@
               <a:rPr lang="en-US"/>
               <a:t>Fifth level</a:t>
             </a:r>
-            <a:endParaRPr lang="en-US"/>
           </a:p>
         </p:txBody>
       </p:sp>
@@ -1718,7 +1708,6 @@
               <a:rPr lang="en-US"/>
               <a:t>Click to edit Master title style</a:t>
             </a:r>
-            <a:endParaRPr lang="en-US"/>
           </a:p>
         </p:txBody>
       </p:sp>
@@ -1940,7 +1929,6 @@
               <a:rPr lang="en-US"/>
               <a:t>Click to edit Master title style</a:t>
             </a:r>
-            <a:endParaRPr lang="en-US"/>
           </a:p>
         </p:txBody>
       </p:sp>
@@ -2025,7 +2013,6 @@
               <a:rPr lang="en-US"/>
               <a:t>Fifth level</a:t>
             </a:r>
-            <a:endParaRPr lang="en-US"/>
           </a:p>
         </p:txBody>
       </p:sp>
@@ -2217,7 +2204,6 @@
               <a:rPr lang="en-US"/>
               <a:t>Click to edit Master title style</a:t>
             </a:r>
-            <a:endParaRPr lang="en-US"/>
           </a:p>
         </p:txBody>
       </p:sp>
@@ -2476,7 +2462,6 @@
               <a:rPr lang="en-US"/>
               <a:t>Click to edit Master title style</a:t>
             </a:r>
-            <a:endParaRPr lang="en-US"/>
           </a:p>
         </p:txBody>
       </p:sp>
@@ -2538,7 +2523,6 @@
               <a:rPr lang="en-US"/>
               <a:t>Fifth level</a:t>
             </a:r>
-            <a:endParaRPr lang="en-US"/>
           </a:p>
         </p:txBody>
       </p:sp>
@@ -4412,7 +4396,7 @@
         </p:blipFill>
         <p:spPr>
           <a:xfrm>
-            <a:off x="1231968" y="1872153"/>
+            <a:off x="933389" y="1690688"/>
             <a:ext cx="6381750" cy="1943100"/>
           </a:xfrm>
           <a:prstGeom prst="rect">

--- a/slides/5 - Child components.pptx
+++ b/slides/5 - Child components.pptx
@@ -9,7 +9,7 @@
     <p:sldId id="257" r:id="rId3"/>
     <p:sldId id="258" r:id="rId4"/>
     <p:sldId id="259" r:id="rId5"/>
-    <p:sldId id="260" r:id="rId6"/>
+    <p:sldId id="275" r:id="rId6"/>
     <p:sldId id="261" r:id="rId7"/>
     <p:sldId id="262" r:id="rId8"/>
     <p:sldId id="267" r:id="rId9"/>
@@ -259,7 +259,7 @@
           <a:p>
             <a:fld id="{2FF81662-9C0A-48C0-A204-71073CF7103A}" type="datetimeFigureOut">
               <a:rPr lang="en-US" smtClean="0"/>
-              <a:t>5/17/2016</a:t>
+              <a:t>8/14/2016</a:t>
             </a:fld>
             <a:endParaRPr lang="en-US"/>
           </a:p>
@@ -427,7 +427,7 @@
           <a:p>
             <a:fld id="{2FF81662-9C0A-48C0-A204-71073CF7103A}" type="datetimeFigureOut">
               <a:rPr lang="en-US" smtClean="0"/>
-              <a:t>5/17/2016</a:t>
+              <a:t>8/14/2016</a:t>
             </a:fld>
             <a:endParaRPr lang="en-US"/>
           </a:p>
@@ -605,7 +605,7 @@
           <a:p>
             <a:fld id="{2FF81662-9C0A-48C0-A204-71073CF7103A}" type="datetimeFigureOut">
               <a:rPr lang="en-US" smtClean="0"/>
-              <a:t>5/17/2016</a:t>
+              <a:t>8/14/2016</a:t>
             </a:fld>
             <a:endParaRPr lang="en-US"/>
           </a:p>
@@ -773,7 +773,7 @@
           <a:p>
             <a:fld id="{2FF81662-9C0A-48C0-A204-71073CF7103A}" type="datetimeFigureOut">
               <a:rPr lang="en-US" smtClean="0"/>
-              <a:t>5/17/2016</a:t>
+              <a:t>8/14/2016</a:t>
             </a:fld>
             <a:endParaRPr lang="en-US"/>
           </a:p>
@@ -1018,7 +1018,7 @@
           <a:p>
             <a:fld id="{2FF81662-9C0A-48C0-A204-71073CF7103A}" type="datetimeFigureOut">
               <a:rPr lang="en-US" smtClean="0"/>
-              <a:t>5/17/2016</a:t>
+              <a:t>8/14/2016</a:t>
             </a:fld>
             <a:endParaRPr lang="en-US"/>
           </a:p>
@@ -1247,7 +1247,7 @@
           <a:p>
             <a:fld id="{2FF81662-9C0A-48C0-A204-71073CF7103A}" type="datetimeFigureOut">
               <a:rPr lang="en-US" smtClean="0"/>
-              <a:t>5/17/2016</a:t>
+              <a:t>8/14/2016</a:t>
             </a:fld>
             <a:endParaRPr lang="en-US"/>
           </a:p>
@@ -1611,7 +1611,7 @@
           <a:p>
             <a:fld id="{2FF81662-9C0A-48C0-A204-71073CF7103A}" type="datetimeFigureOut">
               <a:rPr lang="en-US" smtClean="0"/>
-              <a:t>5/17/2016</a:t>
+              <a:t>8/14/2016</a:t>
             </a:fld>
             <a:endParaRPr lang="en-US"/>
           </a:p>
@@ -1728,7 +1728,7 @@
           <a:p>
             <a:fld id="{2FF81662-9C0A-48C0-A204-71073CF7103A}" type="datetimeFigureOut">
               <a:rPr lang="en-US" smtClean="0"/>
-              <a:t>5/17/2016</a:t>
+              <a:t>8/14/2016</a:t>
             </a:fld>
             <a:endParaRPr lang="en-US"/>
           </a:p>
@@ -1823,7 +1823,7 @@
           <a:p>
             <a:fld id="{2FF81662-9C0A-48C0-A204-71073CF7103A}" type="datetimeFigureOut">
               <a:rPr lang="en-US" smtClean="0"/>
-              <a:t>5/17/2016</a:t>
+              <a:t>8/14/2016</a:t>
             </a:fld>
             <a:endParaRPr lang="en-US"/>
           </a:p>
@@ -2098,7 +2098,7 @@
           <a:p>
             <a:fld id="{2FF81662-9C0A-48C0-A204-71073CF7103A}" type="datetimeFigureOut">
               <a:rPr lang="en-US" smtClean="0"/>
-              <a:t>5/17/2016</a:t>
+              <a:t>8/14/2016</a:t>
             </a:fld>
             <a:endParaRPr lang="en-US"/>
           </a:p>
@@ -2350,7 +2350,7 @@
           <a:p>
             <a:fld id="{2FF81662-9C0A-48C0-A204-71073CF7103A}" type="datetimeFigureOut">
               <a:rPr lang="en-US" smtClean="0"/>
-              <a:t>5/17/2016</a:t>
+              <a:t>8/14/2016</a:t>
             </a:fld>
             <a:endParaRPr lang="en-US"/>
           </a:p>
@@ -2561,7 +2561,7 @@
           <a:p>
             <a:fld id="{2FF81662-9C0A-48C0-A204-71073CF7103A}" type="datetimeFigureOut">
               <a:rPr lang="en-US" smtClean="0"/>
-              <a:t>5/17/2016</a:t>
+              <a:t>8/14/2016</a:t>
             </a:fld>
             <a:endParaRPr lang="en-US"/>
           </a:p>
@@ -4186,41 +4186,246 @@
           <a:p>
             <a:r>
               <a:rPr lang="en-US" dirty="0"/>
-              <a:t>Step 2: Import it to your parent component</a:t>
-            </a:r>
-          </a:p>
-        </p:txBody>
-      </p:sp>
-      <p:pic>
-        <p:nvPicPr>
-          <p:cNvPr id="4" name="Content Placeholder 3"/>
-          <p:cNvPicPr>
-            <a:picLocks noGrp="1" noChangeAspect="1"/>
-          </p:cNvPicPr>
+              <a:t>Step 2: Import it to your containing module</a:t>
+            </a:r>
+          </a:p>
+        </p:txBody>
+      </p:sp>
+      <p:sp>
+        <p:nvSpPr>
+          <p:cNvPr id="3" name="Content Placeholder 2"/>
+          <p:cNvSpPr>
+            <a:spLocks noGrp="1"/>
+          </p:cNvSpPr>
           <p:nvPr>
             <p:ph idx="1"/>
           </p:nvPr>
-        </p:nvPicPr>
-        <p:blipFill>
-          <a:blip r:embed="rId2"/>
-          <a:stretch>
-            <a:fillRect/>
-          </a:stretch>
-        </p:blipFill>
-        <p:spPr>
-          <a:xfrm>
-            <a:off x="2333625" y="1945008"/>
-            <a:ext cx="7524750" cy="3762375"/>
-          </a:xfrm>
-          <a:prstGeom prst="rect">
-            <a:avLst/>
-          </a:prstGeom>
-        </p:spPr>
-      </p:pic>
+        </p:nvSpPr>
+        <p:spPr/>
+        <p:txBody>
+          <a:bodyPr/>
+          <a:lstStyle/>
+          <a:p>
+            <a:pPr marL="0" indent="0">
+              <a:buNone/>
+            </a:pPr>
+            <a:r>
+              <a:rPr lang="en-US" dirty="0">
+                <a:solidFill>
+                  <a:srgbClr val="0000FF"/>
+                </a:solidFill>
+                <a:latin typeface="Consolas" panose="020B0609020204030204" pitchFamily="49" charset="0"/>
+              </a:rPr>
+              <a:t>import</a:t>
+            </a:r>
+            <a:r>
+              <a:rPr lang="en-US" dirty="0">
+                <a:latin typeface="Consolas" panose="020B0609020204030204" pitchFamily="49" charset="0"/>
+              </a:rPr>
+              <a:t> { </a:t>
+            </a:r>
+            <a:r>
+              <a:rPr lang="en-US" dirty="0" err="1">
+                <a:latin typeface="Consolas" panose="020B0609020204030204" pitchFamily="49" charset="0"/>
+              </a:rPr>
+              <a:t>ChildComponent</a:t>
+            </a:r>
+            <a:r>
+              <a:rPr lang="en-US" dirty="0">
+                <a:latin typeface="Consolas" panose="020B0609020204030204" pitchFamily="49" charset="0"/>
+              </a:rPr>
+              <a:t> } </a:t>
+            </a:r>
+            <a:r>
+              <a:rPr lang="en-US" dirty="0">
+                <a:solidFill>
+                  <a:srgbClr val="0000FF"/>
+                </a:solidFill>
+                <a:latin typeface="Consolas" panose="020B0609020204030204" pitchFamily="49" charset="0"/>
+              </a:rPr>
+              <a:t>from</a:t>
+            </a:r>
+            <a:r>
+              <a:rPr lang="en-US" dirty="0">
+                <a:latin typeface="Consolas" panose="020B0609020204030204" pitchFamily="49" charset="0"/>
+              </a:rPr>
+              <a:t> </a:t>
+            </a:r>
+            <a:r>
+              <a:rPr lang="en-US" dirty="0">
+                <a:solidFill>
+                  <a:srgbClr val="C00000"/>
+                </a:solidFill>
+                <a:latin typeface="Consolas" panose="020B0609020204030204" pitchFamily="49" charset="0"/>
+              </a:rPr>
+              <a:t>"./</a:t>
+            </a:r>
+            <a:r>
+              <a:rPr lang="en-US" dirty="0" err="1">
+                <a:solidFill>
+                  <a:srgbClr val="C00000"/>
+                </a:solidFill>
+                <a:latin typeface="Consolas" panose="020B0609020204030204" pitchFamily="49" charset="0"/>
+              </a:rPr>
+              <a:t>child.component</a:t>
+            </a:r>
+            <a:r>
+              <a:rPr lang="en-US" dirty="0">
+                <a:solidFill>
+                  <a:srgbClr val="C00000"/>
+                </a:solidFill>
+                <a:latin typeface="Consolas" panose="020B0609020204030204" pitchFamily="49" charset="0"/>
+              </a:rPr>
+              <a:t>"</a:t>
+            </a:r>
+            <a:r>
+              <a:rPr lang="en-US" dirty="0">
+                <a:latin typeface="Consolas" panose="020B0609020204030204" pitchFamily="49" charset="0"/>
+              </a:rPr>
+              <a:t>;</a:t>
+            </a:r>
+          </a:p>
+          <a:p>
+            <a:pPr marL="0" indent="0">
+              <a:buNone/>
+            </a:pPr>
+            <a:endParaRPr lang="en-US" dirty="0">
+              <a:latin typeface="Consolas" panose="020B0609020204030204" pitchFamily="49" charset="0"/>
+            </a:endParaRPr>
+          </a:p>
+          <a:p>
+            <a:pPr marL="0" indent="0">
+              <a:buNone/>
+            </a:pPr>
+            <a:r>
+              <a:rPr lang="en-US" dirty="0">
+                <a:latin typeface="Consolas" panose="020B0609020204030204" pitchFamily="49" charset="0"/>
+              </a:rPr>
+              <a:t>@</a:t>
+            </a:r>
+            <a:r>
+              <a:rPr lang="en-US" dirty="0" err="1">
+                <a:latin typeface="Consolas" panose="020B0609020204030204" pitchFamily="49" charset="0"/>
+              </a:rPr>
+              <a:t>NgModule</a:t>
+            </a:r>
+            <a:r>
+              <a:rPr lang="en-US" dirty="0">
+                <a:latin typeface="Consolas" panose="020B0609020204030204" pitchFamily="49" charset="0"/>
+              </a:rPr>
+              <a:t>({</a:t>
+            </a:r>
+          </a:p>
+          <a:p>
+            <a:pPr marL="0" indent="0">
+              <a:buNone/>
+            </a:pPr>
+            <a:r>
+              <a:rPr lang="en-US" dirty="0">
+                <a:latin typeface="Consolas" panose="020B0609020204030204" pitchFamily="49" charset="0"/>
+              </a:rPr>
+              <a:t>	selector: </a:t>
+            </a:r>
+            <a:r>
+              <a:rPr lang="en-US" dirty="0">
+                <a:solidFill>
+                  <a:srgbClr val="C00000"/>
+                </a:solidFill>
+                <a:latin typeface="Consolas" panose="020B0609020204030204" pitchFamily="49" charset="0"/>
+              </a:rPr>
+              <a:t>"app"</a:t>
+            </a:r>
+            <a:r>
+              <a:rPr lang="en-US" dirty="0">
+                <a:latin typeface="Consolas" panose="020B0609020204030204" pitchFamily="49" charset="0"/>
+              </a:rPr>
+              <a:t>,</a:t>
+            </a:r>
+          </a:p>
+          <a:p>
+            <a:pPr marL="0" indent="0">
+              <a:buNone/>
+            </a:pPr>
+            <a:r>
+              <a:rPr lang="en-US" dirty="0">
+                <a:latin typeface="Consolas" panose="020B0609020204030204" pitchFamily="49" charset="0"/>
+              </a:rPr>
+              <a:t>	template: </a:t>
+            </a:r>
+            <a:r>
+              <a:rPr lang="en-US" dirty="0">
+                <a:solidFill>
+                  <a:srgbClr val="C00000"/>
+                </a:solidFill>
+                <a:latin typeface="Consolas" panose="020B0609020204030204" pitchFamily="49" charset="0"/>
+              </a:rPr>
+              <a:t>"I need a child component"</a:t>
+            </a:r>
+          </a:p>
+          <a:p>
+            <a:pPr marL="0" indent="0">
+              <a:buNone/>
+            </a:pPr>
+            <a:r>
+              <a:rPr lang="en-US" dirty="0">
+                <a:latin typeface="Consolas" panose="020B0609020204030204" pitchFamily="49" charset="0"/>
+              </a:rPr>
+              <a:t>})</a:t>
+            </a:r>
+          </a:p>
+          <a:p>
+            <a:pPr marL="0" indent="0">
+              <a:buNone/>
+            </a:pPr>
+            <a:r>
+              <a:rPr lang="en-US" dirty="0">
+                <a:solidFill>
+                  <a:srgbClr val="0000FF"/>
+                </a:solidFill>
+                <a:latin typeface="Consolas" panose="020B0609020204030204" pitchFamily="49" charset="0"/>
+              </a:rPr>
+              <a:t>export</a:t>
+            </a:r>
+            <a:r>
+              <a:rPr lang="en-US" dirty="0">
+                <a:latin typeface="Consolas" panose="020B0609020204030204" pitchFamily="49" charset="0"/>
+              </a:rPr>
+              <a:t> </a:t>
+            </a:r>
+            <a:r>
+              <a:rPr lang="en-US" dirty="0">
+                <a:solidFill>
+                  <a:srgbClr val="0000FF"/>
+                </a:solidFill>
+                <a:latin typeface="Consolas" panose="020B0609020204030204" pitchFamily="49" charset="0"/>
+              </a:rPr>
+              <a:t>class</a:t>
+            </a:r>
+            <a:r>
+              <a:rPr lang="en-US" dirty="0">
+                <a:latin typeface="Consolas" panose="020B0609020204030204" pitchFamily="49" charset="0"/>
+              </a:rPr>
+              <a:t> </a:t>
+            </a:r>
+            <a:r>
+              <a:rPr lang="en-US" dirty="0" err="1">
+                <a:latin typeface="Consolas" panose="020B0609020204030204" pitchFamily="49" charset="0"/>
+              </a:rPr>
+              <a:t>AppModule</a:t>
+            </a:r>
+            <a:r>
+              <a:rPr lang="en-US" dirty="0">
+                <a:latin typeface="Consolas" panose="020B0609020204030204" pitchFamily="49" charset="0"/>
+              </a:rPr>
+              <a:t> {}</a:t>
+            </a:r>
+          </a:p>
+        </p:txBody>
+      </p:sp>
     </p:spTree>
     <p:extLst>
       <p:ext uri="{BB962C8B-B14F-4D97-AF65-F5344CB8AC3E}">
-        <p14:creationId xmlns:p14="http://schemas.microsoft.com/office/powerpoint/2010/main" val="3004174357"/>
+        <p14:creationId xmlns:p14="http://schemas.microsoft.com/office/powerpoint/2010/main" val="3607502623"/>
       </p:ext>
     </p:extLst>
   </p:cSld>
